--- a/ppts/photonmapping/Progressive Photon Mapping.pptx
+++ b/ppts/photonmapping/Progressive Photon Mapping.pptx
@@ -5171,7 +5171,7 @@
         </p:blipFill>
         <p:spPr>
           <a:xfrm>
-            <a:off x="4148838" y="2208112"/>
+            <a:off x="4174176" y="2208081"/>
             <a:ext cx="3548107" cy="2661080"/>
           </a:xfrm>
           <a:prstGeom prst="rect">

--- a/ppts/photonmapping/Progressive Photon Mapping.pptx
+++ b/ppts/photonmapping/Progressive Photon Mapping.pptx
@@ -287,7 +287,7 @@
           <a:p>
             <a:fld id="{116CA9A1-49A5-4813-BE73-64411D697E83}" type="datetimeFigureOut">
               <a:rPr kumimoji="1" lang="ja-JP" altLang="en-US" smtClean="0"/>
-              <a:t>2020/5/5</a:t>
+              <a:t>2020/5/8</a:t>
             </a:fld>
             <a:endParaRPr kumimoji="1" lang="ja-JP" altLang="en-US"/>
           </a:p>
@@ -452,7 +452,7 @@
           <a:p>
             <a:fld id="{BB218005-AB2E-4230-9CBF-EC876F8C3946}" type="datetimeFigureOut">
               <a:rPr kumimoji="1" lang="ja-JP" altLang="en-US" smtClean="0"/>
-              <a:t>2020/5/5</a:t>
+              <a:t>2020/5/8</a:t>
             </a:fld>
             <a:endParaRPr kumimoji="1" lang="ja-JP" altLang="en-US"/>
           </a:p>
@@ -4191,7 +4191,7 @@
               <a:rPr lang="en-US" altLang="ja-JP" sz="1800" b="1" dirty="0">
                 <a:latin typeface="+mn-ea"/>
               </a:rPr>
-              <a:t>Robust Adaptive Photon Tracing using Photon Path Visibility</a:t>
+              <a:t>Progressive Photon Mapping</a:t>
             </a:r>
           </a:p>
         </p:txBody>
@@ -4343,7 +4343,7 @@
               <a:rPr lang="en-US" altLang="ja-JP" sz="1800" b="1" dirty="0">
                 <a:latin typeface="+mn-ea"/>
               </a:rPr>
-              <a:t>Robust Adaptive Photon Tracing using Photon Path Visibility</a:t>
+              <a:t>Progressive Photon Mapping</a:t>
             </a:r>
           </a:p>
         </p:txBody>
@@ -4702,7 +4702,7 @@
         </p:nvGrpSpPr>
         <p:grpSpPr>
           <a:xfrm>
-            <a:off x="630646" y="4621526"/>
+            <a:off x="633733" y="4534860"/>
             <a:ext cx="7735380" cy="848548"/>
             <a:chOff x="608952" y="5063645"/>
             <a:chExt cx="7735380" cy="848548"/>
@@ -4914,7 +4914,7 @@
               <a:rPr lang="en-US" altLang="ja-JP" sz="1800" b="1" dirty="0">
                 <a:latin typeface="+mn-ea"/>
               </a:rPr>
-              <a:t>Robust Adaptive Photon Tracing using Photon Path Visibility</a:t>
+              <a:t>Progressive Photon Mapping</a:t>
             </a:r>
           </a:p>
         </p:txBody>
@@ -5144,7 +5144,7 @@
               <a:rPr lang="en-US" altLang="ja-JP" sz="1800" b="1" dirty="0">
                 <a:latin typeface="+mn-ea"/>
               </a:rPr>
-              <a:t>Robust Adaptive Photon Tracing using Photon Path Visibility</a:t>
+              <a:t>Progressive Photon Mapping</a:t>
             </a:r>
           </a:p>
         </p:txBody>
@@ -5528,7 +5528,7 @@
               <a:rPr lang="en-US" altLang="ja-JP" sz="1800" b="1" dirty="0">
                 <a:latin typeface="+mn-ea"/>
               </a:rPr>
-              <a:t>Robust Adaptive Photon Tracing using Photon Path Visibility</a:t>
+              <a:t>Progressive Photon Mapping</a:t>
             </a:r>
           </a:p>
         </p:txBody>
